--- a/PPt/FireWall.pptx
+++ b/PPt/FireWall.pptx
@@ -18262,16 +18262,16 @@
               </a:lnSpc>
             </a:pPr>
             <a:r>
-              <a:rPr lang="en-US" sz="4000" b="0" strike="noStrike" spc="-1" dirty="0">
+              <a:rPr lang="en-US" sz="4000" b="0" strike="noStrike" spc="-1" dirty="0" err="1">
                 <a:latin typeface="Arial"/>
               </a:rPr>
-              <a:t>JDBC</a:t>
-            </a:r>
-            <a:r>
-              <a:rPr lang="en-US" sz="4000" spc="-1" dirty="0">
+              <a:t>F</a:t>
+            </a:r>
+            <a:r>
+              <a:rPr lang="en-US" altLang="zh-CN" sz="4000" b="0" strike="noStrike" spc="-1" dirty="0" err="1">
                 <a:latin typeface="Arial"/>
               </a:rPr>
-              <a:t>(Java Database Connectivity)</a:t>
+              <a:t>ireWall</a:t>
             </a:r>
             <a:endParaRPr lang="en-US" sz="4000" b="0" strike="noStrike" spc="-1" dirty="0">
               <a:latin typeface="Arial"/>
@@ -18380,7 +18380,7 @@
         <p:spPr>
           <a:xfrm>
             <a:off x="-20520" y="69480"/>
-            <a:ext cx="2842551" cy="398655"/>
+            <a:ext cx="2745280" cy="398655"/>
           </a:xfrm>
           <a:prstGeom prst="rect">
             <a:avLst/>
@@ -18414,13 +18414,31 @@
               </a:lnSpc>
             </a:pPr>
             <a:r>
-              <a:rPr lang="zh-CN" altLang="en-US" sz="2000" b="1" strike="noStrike" spc="-1" dirty="0">
+              <a:rPr lang="zh-CN" altLang="en-US" sz="2000" b="1" strike="noStrike" spc="-1">
                 <a:solidFill>
                   <a:srgbClr val="333333"/>
                 </a:solidFill>
                 <a:latin typeface="Times New Roman"/>
               </a:rPr>
-              <a:t>计算机安全与报名技术</a:t>
+              <a:t>计算机安全与</a:t>
+            </a:r>
+            <a:r>
+              <a:rPr lang="zh-CN" altLang="en-US" sz="2000" b="1" spc="-1">
+                <a:solidFill>
+                  <a:srgbClr val="333333"/>
+                </a:solidFill>
+                <a:latin typeface="Times New Roman"/>
+              </a:rPr>
+              <a:t>保密</a:t>
+            </a:r>
+            <a:r>
+              <a:rPr lang="zh-CN" altLang="en-US" sz="2000" b="1" strike="noStrike" spc="-1">
+                <a:solidFill>
+                  <a:srgbClr val="333333"/>
+                </a:solidFill>
+                <a:latin typeface="Times New Roman"/>
+              </a:rPr>
+              <a:t>技术</a:t>
             </a:r>
             <a:endParaRPr lang="en-US" sz="2000" b="0" strike="noStrike" spc="-1" dirty="0">
               <a:latin typeface="Arial"/>
@@ -19454,7 +19472,7 @@
         <p:fade/>
       </p:transition>
     </mc:Choice>
-    <mc:Fallback xmlns:p15="http://schemas.microsoft.com/office/powerpoint/2012/main" xmlns="">
+    <mc:Fallback xmlns="" xmlns:p15="http://schemas.microsoft.com/office/powerpoint/2012/main">
       <p:transition spd="med">
         <p:fade/>
       </p:transition>
@@ -21389,7 +21407,7 @@
         <p:fade/>
       </p:transition>
     </mc:Choice>
-    <mc:Fallback xmlns:p15="http://schemas.microsoft.com/office/powerpoint/2012/main" xmlns="">
+    <mc:Fallback xmlns="" xmlns:p15="http://schemas.microsoft.com/office/powerpoint/2012/main">
       <p:transition spd="med">
         <p:fade/>
       </p:transition>
@@ -21929,7 +21947,7 @@
         <p:fade/>
       </p:transition>
     </mc:Choice>
-    <mc:Fallback xmlns:p15="http://schemas.microsoft.com/office/powerpoint/2012/main" xmlns="">
+    <mc:Fallback xmlns="" xmlns:p15="http://schemas.microsoft.com/office/powerpoint/2012/main">
       <p:transition spd="med">
         <p:fade/>
       </p:transition>
@@ -21963,7 +21981,7 @@
         </p:nvSpPr>
         <p:spPr>
           <a:xfrm>
-            <a:off x="669960" y="3570120"/>
+            <a:off x="2154516" y="3367567"/>
             <a:ext cx="4482000" cy="972720"/>
           </a:xfrm>
           <a:prstGeom prst="rect">
@@ -22222,6 +22240,91 @@
           </a:prstGeom>
         </p:spPr>
       </p:pic>
+      <p:graphicFrame>
+        <p:nvGraphicFramePr>
+          <p:cNvPr id="3" name="表格 3">
+            <a:extLst>
+              <a:ext uri="{FF2B5EF4-FFF2-40B4-BE49-F238E27FC236}">
+                <a16:creationId xmlns:a16="http://schemas.microsoft.com/office/drawing/2014/main" id="{AC952A42-FC73-4CD3-B812-5F8447D29A4B}"/>
+              </a:ext>
+            </a:extLst>
+          </p:cNvPr>
+          <p:cNvGraphicFramePr>
+            <a:graphicFrameLocks noGrp="1"/>
+          </p:cNvGraphicFramePr>
+          <p:nvPr>
+            <p:extLst>
+              <p:ext uri="{D42A27DB-BD31-4B8C-83A1-F6EECF244321}">
+                <p14:modId xmlns:p14="http://schemas.microsoft.com/office/powerpoint/2010/main" val="1353981500"/>
+              </p:ext>
+            </p:extLst>
+          </p:nvPr>
+        </p:nvGraphicFramePr>
+        <p:xfrm>
+          <a:off x="2032000" y="719666"/>
+          <a:ext cx="8128000" cy="741680"/>
+        </p:xfrm>
+        <a:graphic>
+          <a:graphicData uri="http://schemas.openxmlformats.org/drawingml/2006/table">
+            <a:tbl>
+              <a:tblPr firstRow="1" bandRow="1">
+                <a:tableStyleId>{5C22544A-7EE6-4342-B048-85BDC9FD1C3A}</a:tableStyleId>
+              </a:tblPr>
+              <a:tblGrid>
+                <a:gridCol w="8128000">
+                  <a:extLst>
+                    <a:ext uri="{9D8B030D-6E8A-4147-A177-3AD203B41FA5}">
+                      <a16:colId xmlns:a16="http://schemas.microsoft.com/office/drawing/2014/main" val="3472829152"/>
+                    </a:ext>
+                  </a:extLst>
+                </a:gridCol>
+              </a:tblGrid>
+              <a:tr h="370840">
+                <a:tc>
+                  <a:txBody>
+                    <a:bodyPr/>
+                    <a:lstStyle/>
+                    <a:p>
+                      <a:r>
+                        <a:rPr lang="en-US" altLang="zh-CN" dirty="0"/>
+                        <a:t>https://github.com/id-none?tab=repositories</a:t>
+                      </a:r>
+                      <a:endParaRPr lang="zh-CN" altLang="en-US" dirty="0"/>
+                    </a:p>
+                  </a:txBody>
+                  <a:tcPr/>
+                </a:tc>
+                <a:extLst>
+                  <a:ext uri="{0D108BD9-81ED-4DB2-BD59-A6C34878D82A}">
+                    <a16:rowId xmlns:a16="http://schemas.microsoft.com/office/drawing/2014/main" val="1997375440"/>
+                  </a:ext>
+                </a:extLst>
+              </a:tr>
+              <a:tr h="370840">
+                <a:tc>
+                  <a:txBody>
+                    <a:bodyPr/>
+                    <a:lstStyle/>
+                    <a:p>
+                      <a:r>
+                        <a:rPr lang="en-US" altLang="zh-CN"/>
+                        <a:t>https://github.com/chinggg/</a:t>
+                      </a:r>
+                      <a:endParaRPr lang="zh-CN" altLang="en-US" dirty="0"/>
+                    </a:p>
+                  </a:txBody>
+                  <a:tcPr/>
+                </a:tc>
+                <a:extLst>
+                  <a:ext uri="{0D108BD9-81ED-4DB2-BD59-A6C34878D82A}">
+                    <a16:rowId xmlns:a16="http://schemas.microsoft.com/office/drawing/2014/main" val="3843300538"/>
+                  </a:ext>
+                </a:extLst>
+              </a:tr>
+            </a:tbl>
+          </a:graphicData>
+        </a:graphic>
+      </p:graphicFrame>
     </p:spTree>
   </p:cSld>
   <p:clrMapOvr>
@@ -22380,7 +22483,7 @@
         <p:fade/>
       </p:transition>
     </mc:Choice>
-    <mc:Fallback xmlns:p15="http://schemas.microsoft.com/office/powerpoint/2012/main" xmlns="">
+    <mc:Fallback xmlns="" xmlns:p15="http://schemas.microsoft.com/office/powerpoint/2012/main">
       <p:transition spd="med">
         <p:fade/>
       </p:transition>
@@ -22856,7 +22959,7 @@
         <p:fade/>
       </p:transition>
     </mc:Choice>
-    <mc:Fallback xmlns:p15="http://schemas.microsoft.com/office/powerpoint/2012/main" xmlns="">
+    <mc:Fallback xmlns="" xmlns:p15="http://schemas.microsoft.com/office/powerpoint/2012/main">
       <p:transition spd="med">
         <p:fade/>
       </p:transition>
@@ -23682,7 +23785,7 @@
         <p:fade/>
       </p:transition>
     </mc:Choice>
-    <mc:Fallback xmlns:p15="http://schemas.microsoft.com/office/powerpoint/2012/main" xmlns="">
+    <mc:Fallback xmlns="" xmlns:p15="http://schemas.microsoft.com/office/powerpoint/2012/main">
       <p:transition spd="med">
         <p:fade/>
       </p:transition>
@@ -23994,7 +24097,7 @@
         <p:fade/>
       </p:transition>
     </mc:Choice>
-    <mc:Fallback xmlns:p15="http://schemas.microsoft.com/office/powerpoint/2012/main" xmlns="">
+    <mc:Fallback xmlns="" xmlns:p15="http://schemas.microsoft.com/office/powerpoint/2012/main">
       <p:transition spd="med">
         <p:fade/>
       </p:transition>
@@ -24303,7 +24406,7 @@
         <p:fade/>
       </p:transition>
     </mc:Choice>
-    <mc:Fallback xmlns:p15="http://schemas.microsoft.com/office/powerpoint/2012/main" xmlns="">
+    <mc:Fallback xmlns="" xmlns:p15="http://schemas.microsoft.com/office/powerpoint/2012/main">
       <p:transition spd="med">
         <p:fade/>
       </p:transition>
@@ -24584,7 +24687,7 @@
         <p:fade/>
       </p:transition>
     </mc:Choice>
-    <mc:Fallback xmlns:p15="http://schemas.microsoft.com/office/powerpoint/2012/main" xmlns="">
+    <mc:Fallback xmlns="" xmlns:p15="http://schemas.microsoft.com/office/powerpoint/2012/main">
       <p:transition spd="med">
         <p:fade/>
       </p:transition>
@@ -25008,7 +25111,7 @@
         <p:fade/>
       </p:transition>
     </mc:Choice>
-    <mc:Fallback xmlns:p15="http://schemas.microsoft.com/office/powerpoint/2012/main" xmlns="">
+    <mc:Fallback xmlns="" xmlns:p15="http://schemas.microsoft.com/office/powerpoint/2012/main">
       <p:transition spd="med">
         <p:fade/>
       </p:transition>
